--- a/Image_Processing_Info.pptx
+++ b/Image_Processing_Info.pptx
@@ -15,7 +15,6 @@
     <p:sldId id="265" r:id="rId9"/>
     <p:sldId id="266" r:id="rId10"/>
     <p:sldId id="267" r:id="rId11"/>
-    <p:sldId id="268" r:id="rId12"/>
   </p:sldIdLst>
   <p:sldSz cx="12192000" cy="6858000"/>
   <p:notesSz cx="6858000" cy="9144000"/>
@@ -3522,7 +3521,7 @@
         </p:nvSpPr>
         <p:spPr>
           <a:xfrm>
-            <a:off x="8922576" y="2133317"/>
+            <a:off x="7124878" y="2333684"/>
             <a:ext cx="596638" cy="369332"/>
           </a:xfrm>
           <a:prstGeom prst="rect">
@@ -3557,7 +3556,7 @@
         </p:nvSpPr>
         <p:spPr>
           <a:xfrm>
-            <a:off x="7573260" y="2502649"/>
+            <a:off x="5775562" y="2703016"/>
             <a:ext cx="3891909" cy="4154984"/>
           </a:xfrm>
           <a:prstGeom prst="rect">
@@ -3717,117 +3716,6 @@
     <p:extLst>
       <p:ext uri="{BB962C8B-B14F-4D97-AF65-F5344CB8AC3E}">
         <p14:creationId xmlns:p14="http://schemas.microsoft.com/office/powerpoint/2010/main" val="2106170641"/>
-      </p:ext>
-    </p:extLst>
-  </p:cSld>
-  <p:clrMapOvr>
-    <a:masterClrMapping/>
-  </p:clrMapOvr>
-</p:sld>
-</file>
-
-<file path=ppt/slides/slide11.xml><?xml version="1.0" encoding="utf-8"?>
-<p:sld xmlns:a="http://schemas.openxmlformats.org/drawingml/2006/main" xmlns:r="http://schemas.openxmlformats.org/officeDocument/2006/relationships" xmlns:p="http://schemas.openxmlformats.org/presentationml/2006/main">
-  <p:cSld>
-    <p:spTree>
-      <p:nvGrpSpPr>
-        <p:cNvPr id="1" name=""/>
-        <p:cNvGrpSpPr/>
-        <p:nvPr/>
-      </p:nvGrpSpPr>
-      <p:grpSpPr>
-        <a:xfrm>
-          <a:off x="0" y="0"/>
-          <a:ext cx="0" cy="0"/>
-          <a:chOff x="0" y="0"/>
-          <a:chExt cx="0" cy="0"/>
-        </a:xfrm>
-      </p:grpSpPr>
-      <p:sp>
-        <p:nvSpPr>
-          <p:cNvPr id="2" name="Title 1">
-            <a:extLst>
-              <a:ext uri="{FF2B5EF4-FFF2-40B4-BE49-F238E27FC236}">
-                <a16:creationId xmlns:a16="http://schemas.microsoft.com/office/drawing/2014/main" id="{02853683-1DAE-4C77-2B43-331013F77E25}"/>
-              </a:ext>
-            </a:extLst>
-          </p:cNvPr>
-          <p:cNvSpPr>
-            <a:spLocks noGrp="1"/>
-          </p:cNvSpPr>
-          <p:nvPr>
-            <p:ph type="title"/>
-          </p:nvPr>
-        </p:nvSpPr>
-        <p:spPr>
-          <a:xfrm>
-            <a:off x="838200" y="365126"/>
-            <a:ext cx="10515600" cy="648801"/>
-          </a:xfrm>
-        </p:spPr>
-        <p:txBody>
-          <a:bodyPr>
-            <a:normAutofit fontScale="90000"/>
-          </a:bodyPr>
-          <a:lstStyle/>
-          <a:p>
-            <a:r>
-              <a:rPr lang="en-DE" dirty="0"/>
-              <a:t>ImageJ Script – First features</a:t>
-            </a:r>
-          </a:p>
-        </p:txBody>
-      </p:sp>
-      <p:sp>
-        <p:nvSpPr>
-          <p:cNvPr id="3" name="Content Placeholder 2">
-            <a:extLst>
-              <a:ext uri="{FF2B5EF4-FFF2-40B4-BE49-F238E27FC236}">
-                <a16:creationId xmlns:a16="http://schemas.microsoft.com/office/drawing/2014/main" id="{A1C63248-DEE7-5262-3BBD-1AA0D5A058D2}"/>
-              </a:ext>
-            </a:extLst>
-          </p:cNvPr>
-          <p:cNvSpPr>
-            <a:spLocks noGrp="1"/>
-          </p:cNvSpPr>
-          <p:nvPr>
-            <p:ph idx="1"/>
-          </p:nvPr>
-        </p:nvSpPr>
-        <p:spPr>
-          <a:xfrm>
-            <a:off x="838200" y="1324948"/>
-            <a:ext cx="10515600" cy="4351338"/>
-          </a:xfrm>
-        </p:spPr>
-        <p:txBody>
-          <a:bodyPr/>
-          <a:lstStyle/>
-          <a:p>
-            <a:r>
-              <a:rPr lang="en-DE" dirty="0"/>
-              <a:t>Get specific image from each folder</a:t>
-            </a:r>
-          </a:p>
-          <a:p>
-            <a:r>
-              <a:rPr lang="en-GB" dirty="0"/>
-              <a:t>S</a:t>
-            </a:r>
-            <a:r>
-              <a:rPr lang="en-DE" dirty="0"/>
-              <a:t>ave a subregion in a new folder</a:t>
-            </a:r>
-          </a:p>
-          <a:p>
-            <a:endParaRPr lang="en-DE" dirty="0"/>
-          </a:p>
-        </p:txBody>
-      </p:sp>
-    </p:spTree>
-    <p:extLst>
-      <p:ext uri="{BB962C8B-B14F-4D97-AF65-F5344CB8AC3E}">
-        <p14:creationId xmlns:p14="http://schemas.microsoft.com/office/powerpoint/2010/main" val="1070509866"/>
       </p:ext>
     </p:extLst>
   </p:cSld>
